--- a/paper/Visual_large_model/ppt/Visual_large_model_learning.pptx
+++ b/paper/Visual_large_model/ppt/Visual_large_model_learning.pptx
@@ -10,6 +10,9 @@
     <p:sldId id="257" r:id="rId4"/>
     <p:sldId id="258" r:id="rId5"/>
     <p:sldId id="260" r:id="rId6"/>
+    <p:sldId id="263" r:id="rId7"/>
+    <p:sldId id="262" r:id="rId8"/>
+    <p:sldId id="264" r:id="rId9"/>
   </p:sldIdLst>
   <p:sldSz cx="12192000" cy="6858000"/>
   <p:notesSz cx="6858000" cy="9144000"/>
@@ -108,6 +111,11 @@
       </a:defRPr>
     </a:lvl9pPr>
   </p:defaultTextStyle>
+  <p:extLst>
+    <p:ext uri="{EFAFB233-063F-42B5-8137-9DF3F51BA10A}">
+      <p15:sldGuideLst xmlns:p15="http://schemas.microsoft.com/office/powerpoint/2012/main"/>
+    </p:ext>
+  </p:extLst>
 </p:presentation>
 </file>
 
@@ -4283,6 +4291,385 @@
 </p:sld>
 </file>
 
+<file path=ppt/slides/slide6.xml><?xml version="1.0" encoding="utf-8"?>
+<p:sld xmlns:a="http://schemas.openxmlformats.org/drawingml/2006/main" xmlns:r="http://schemas.openxmlformats.org/officeDocument/2006/relationships" xmlns:p="http://schemas.openxmlformats.org/presentationml/2006/main">
+  <p:cSld>
+    <p:spTree>
+      <p:nvGrpSpPr>
+        <p:cNvPr id="1" name=""/>
+        <p:cNvGrpSpPr/>
+        <p:nvPr/>
+      </p:nvGrpSpPr>
+      <p:grpSpPr>
+        <a:xfrm>
+          <a:off x="0" y="0"/>
+          <a:ext cx="0" cy="0"/>
+          <a:chOff x="0" y="0"/>
+          <a:chExt cx="0" cy="0"/>
+        </a:xfrm>
+      </p:grpSpPr>
+      <p:sp>
+        <p:nvSpPr>
+          <p:cNvPr id="2" name="标题 1">
+            <a:extLst>
+              <a:ext uri="{FF2B5EF4-FFF2-40B4-BE49-F238E27FC236}">
+                <a16:creationId xmlns:a16="http://schemas.microsoft.com/office/drawing/2014/main" id="{BFB33768-AEC2-2B96-72C2-6BA38FC81D31}"/>
+              </a:ext>
+            </a:extLst>
+          </p:cNvPr>
+          <p:cNvSpPr>
+            <a:spLocks noGrp="1"/>
+          </p:cNvSpPr>
+          <p:nvPr>
+            <p:ph type="title"/>
+          </p:nvPr>
+        </p:nvSpPr>
+        <p:spPr/>
+        <p:txBody>
+          <a:bodyPr/>
+          <a:lstStyle/>
+          <a:p>
+            <a:r>
+              <a:rPr lang="en-US" altLang="zh-CN" dirty="0"/>
+              <a:t>Learning Transferable Visual Models From Natural Language Supervision</a:t>
+            </a:r>
+            <a:endParaRPr lang="zh-CN" altLang="en-US" dirty="0"/>
+          </a:p>
+        </p:txBody>
+      </p:sp>
+      <p:sp>
+        <p:nvSpPr>
+          <p:cNvPr id="3" name="文本占位符 2">
+            <a:extLst>
+              <a:ext uri="{FF2B5EF4-FFF2-40B4-BE49-F238E27FC236}">
+                <a16:creationId xmlns:a16="http://schemas.microsoft.com/office/drawing/2014/main" id="{D1DA9554-C3DE-9033-B762-9FEF0EB47875}"/>
+              </a:ext>
+            </a:extLst>
+          </p:cNvPr>
+          <p:cNvSpPr>
+            <a:spLocks noGrp="1"/>
+          </p:cNvSpPr>
+          <p:nvPr>
+            <p:ph type="body" idx="1"/>
+          </p:nvPr>
+        </p:nvSpPr>
+        <p:spPr/>
+        <p:txBody>
+          <a:bodyPr/>
+          <a:lstStyle/>
+          <a:p>
+            <a:endParaRPr lang="zh-CN" altLang="en-US" dirty="0"/>
+          </a:p>
+        </p:txBody>
+      </p:sp>
+    </p:spTree>
+    <p:extLst>
+      <p:ext uri="{BB962C8B-B14F-4D97-AF65-F5344CB8AC3E}">
+        <p14:creationId xmlns:p14="http://schemas.microsoft.com/office/powerpoint/2010/main" val="2656028150"/>
+      </p:ext>
+    </p:extLst>
+  </p:cSld>
+  <p:clrMapOvr>
+    <a:masterClrMapping/>
+  </p:clrMapOvr>
+</p:sld>
+</file>
+
+<file path=ppt/slides/slide7.xml><?xml version="1.0" encoding="utf-8"?>
+<p:sld xmlns:a="http://schemas.openxmlformats.org/drawingml/2006/main" xmlns:r="http://schemas.openxmlformats.org/officeDocument/2006/relationships" xmlns:p="http://schemas.openxmlformats.org/presentationml/2006/main">
+  <p:cSld>
+    <p:spTree>
+      <p:nvGrpSpPr>
+        <p:cNvPr id="1" name=""/>
+        <p:cNvGrpSpPr/>
+        <p:nvPr/>
+      </p:nvGrpSpPr>
+      <p:grpSpPr>
+        <a:xfrm>
+          <a:off x="0" y="0"/>
+          <a:ext cx="0" cy="0"/>
+          <a:chOff x="0" y="0"/>
+          <a:chExt cx="0" cy="0"/>
+        </a:xfrm>
+      </p:grpSpPr>
+      <p:sp>
+        <p:nvSpPr>
+          <p:cNvPr id="3" name="文本框 2">
+            <a:extLst>
+              <a:ext uri="{FF2B5EF4-FFF2-40B4-BE49-F238E27FC236}">
+                <a16:creationId xmlns:a16="http://schemas.microsoft.com/office/drawing/2014/main" id="{C5F32348-B9F6-195B-322E-A8060813D692}"/>
+              </a:ext>
+            </a:extLst>
+          </p:cNvPr>
+          <p:cNvSpPr txBox="1"/>
+          <p:nvPr/>
+        </p:nvSpPr>
+        <p:spPr>
+          <a:xfrm>
+            <a:off x="1188720" y="1040676"/>
+            <a:ext cx="6096000" cy="1200329"/>
+          </a:xfrm>
+          <a:prstGeom prst="rect">
+            <a:avLst/>
+          </a:prstGeom>
+          <a:noFill/>
+        </p:spPr>
+        <p:txBody>
+          <a:bodyPr wrap="square">
+            <a:spAutoFit/>
+          </a:bodyPr>
+          <a:lstStyle/>
+          <a:p>
+            <a:r>
+              <a:rPr lang="zh-CN" altLang="en-US" dirty="0"/>
+              <a:t>我们创建了一个包含4亿对(图像，文本)的新数据集，并证明了从头开始训练的简化版本的ConVIRT，我们称之为CLIP，即对比语言-图像预训练，是一种从自然语言监督中学习的有效方法。</a:t>
+            </a:r>
+          </a:p>
+        </p:txBody>
+      </p:sp>
+      <p:sp>
+        <p:nvSpPr>
+          <p:cNvPr id="5" name="文本框 4">
+            <a:extLst>
+              <a:ext uri="{FF2B5EF4-FFF2-40B4-BE49-F238E27FC236}">
+                <a16:creationId xmlns:a16="http://schemas.microsoft.com/office/drawing/2014/main" id="{9A0A4FB6-73BC-C2D9-326A-21A2B2353180}"/>
+              </a:ext>
+            </a:extLst>
+          </p:cNvPr>
+          <p:cNvSpPr txBox="1"/>
+          <p:nvPr/>
+        </p:nvSpPr>
+        <p:spPr>
+          <a:xfrm>
+            <a:off x="1188720" y="2576563"/>
+            <a:ext cx="6096000" cy="369332"/>
+          </a:xfrm>
+          <a:prstGeom prst="rect">
+            <a:avLst/>
+          </a:prstGeom>
+          <a:noFill/>
+        </p:spPr>
+        <p:txBody>
+          <a:bodyPr wrap="square">
+            <a:spAutoFit/>
+          </a:bodyPr>
+          <a:lstStyle/>
+          <a:p>
+            <a:r>
+              <a:rPr lang="zh-CN" altLang="en-US" dirty="0"/>
+              <a:t>创建一个足够大的数据集</a:t>
+            </a:r>
+            <a:r>
+              <a:rPr lang="en-US" altLang="zh-CN" dirty="0" err="1"/>
+              <a:t>WebImageText</a:t>
+            </a:r>
+            <a:r>
+              <a:rPr lang="zh-CN" altLang="en-US" dirty="0"/>
+              <a:t>（</a:t>
+            </a:r>
+            <a:r>
+              <a:rPr lang="en-US" altLang="zh-CN" dirty="0"/>
+              <a:t>WIT</a:t>
+            </a:r>
+            <a:r>
+              <a:rPr lang="zh-CN" altLang="en-US" dirty="0"/>
+              <a:t>）</a:t>
+            </a:r>
+          </a:p>
+        </p:txBody>
+      </p:sp>
+      <p:sp>
+        <p:nvSpPr>
+          <p:cNvPr id="7" name="文本框 6">
+            <a:extLst>
+              <a:ext uri="{FF2B5EF4-FFF2-40B4-BE49-F238E27FC236}">
+                <a16:creationId xmlns:a16="http://schemas.microsoft.com/office/drawing/2014/main" id="{492B72D8-BC91-87C4-6EAC-C769DB18B6EF}"/>
+              </a:ext>
+            </a:extLst>
+          </p:cNvPr>
+          <p:cNvSpPr txBox="1"/>
+          <p:nvPr/>
+        </p:nvSpPr>
+        <p:spPr>
+          <a:xfrm>
+            <a:off x="1188720" y="3679690"/>
+            <a:ext cx="6096000" cy="1200329"/>
+          </a:xfrm>
+          <a:prstGeom prst="rect">
+            <a:avLst/>
+          </a:prstGeom>
+          <a:noFill/>
+        </p:spPr>
+        <p:txBody>
+          <a:bodyPr wrap="square">
+            <a:spAutoFit/>
+          </a:bodyPr>
+          <a:lstStyle/>
+          <a:p>
+            <a:r>
+              <a:rPr lang="zh-CN" altLang="en-US" b="0" i="0" dirty="0">
+                <a:solidFill>
+                  <a:srgbClr val="2A2B2E"/>
+                </a:solidFill>
+                <a:effectLst/>
+                <a:latin typeface="PingFang SC"/>
+              </a:rPr>
+              <a:t>选择有效的预训练方法（对比学习）提速四倍</a:t>
+            </a:r>
+            <a:endParaRPr lang="en-US" altLang="zh-CN" b="0" i="0" dirty="0">
+              <a:solidFill>
+                <a:srgbClr val="2A2B2E"/>
+              </a:solidFill>
+              <a:effectLst/>
+              <a:latin typeface="PingFang SC"/>
+            </a:endParaRPr>
+          </a:p>
+          <a:p>
+            <a:r>
+              <a:rPr lang="zh-CN" altLang="en-US" dirty="0"/>
+              <a:t>探索训练一个系统来解决潜在的更容易的代理任务，即只预测哪个文本作为一个整体与哪个图像配对，而不是该文本的确切单词。</a:t>
+            </a:r>
+          </a:p>
+        </p:txBody>
+      </p:sp>
+      <p:pic>
+        <p:nvPicPr>
+          <p:cNvPr id="9" name="图片 8">
+            <a:extLst>
+              <a:ext uri="{FF2B5EF4-FFF2-40B4-BE49-F238E27FC236}">
+                <a16:creationId xmlns:a16="http://schemas.microsoft.com/office/drawing/2014/main" id="{1C2B6013-091B-3D71-27E4-B54DEB0DFBDD}"/>
+              </a:ext>
+            </a:extLst>
+          </p:cNvPr>
+          <p:cNvPicPr>
+            <a:picLocks noChangeAspect="1"/>
+          </p:cNvPicPr>
+          <p:nvPr/>
+        </p:nvPicPr>
+        <p:blipFill>
+          <a:blip r:embed="rId2"/>
+          <a:stretch>
+            <a:fillRect/>
+          </a:stretch>
+        </p:blipFill>
+        <p:spPr>
+          <a:xfrm>
+            <a:off x="8795883" y="2477680"/>
+            <a:ext cx="3154953" cy="2065199"/>
+          </a:xfrm>
+          <a:prstGeom prst="rect">
+            <a:avLst/>
+          </a:prstGeom>
+        </p:spPr>
+      </p:pic>
+      <p:sp>
+        <p:nvSpPr>
+          <p:cNvPr id="11" name="文本框 10">
+            <a:extLst>
+              <a:ext uri="{FF2B5EF4-FFF2-40B4-BE49-F238E27FC236}">
+                <a16:creationId xmlns:a16="http://schemas.microsoft.com/office/drawing/2014/main" id="{A0E45837-EDFC-3538-5B83-DC5B728DE94A}"/>
+              </a:ext>
+            </a:extLst>
+          </p:cNvPr>
+          <p:cNvSpPr txBox="1"/>
+          <p:nvPr/>
+        </p:nvSpPr>
+        <p:spPr>
+          <a:xfrm>
+            <a:off x="1188720" y="5085079"/>
+            <a:ext cx="6096000" cy="1477328"/>
+          </a:xfrm>
+          <a:prstGeom prst="rect">
+            <a:avLst/>
+          </a:prstGeom>
+          <a:noFill/>
+        </p:spPr>
+        <p:txBody>
+          <a:bodyPr wrap="square">
+            <a:spAutoFit/>
+          </a:bodyPr>
+          <a:lstStyle/>
+          <a:p>
+            <a:r>
+              <a:rPr lang="zh-CN" altLang="en-US" dirty="0"/>
+              <a:t>为此，CLIP通过联合训练图像编码器和文本编码器来学习多模态嵌入空间，以最大化批处理中N对真实对的图像和文本嵌入的余弦相似度，同时最小化N2−N对错误对的嵌入的余弦相似度。我们在这些相似性得分上优化对称交叉熵损失</a:t>
+            </a:r>
+          </a:p>
+        </p:txBody>
+      </p:sp>
+    </p:spTree>
+    <p:extLst>
+      <p:ext uri="{BB962C8B-B14F-4D97-AF65-F5344CB8AC3E}">
+        <p14:creationId xmlns:p14="http://schemas.microsoft.com/office/powerpoint/2010/main" val="3422457361"/>
+      </p:ext>
+    </p:extLst>
+  </p:cSld>
+  <p:clrMapOvr>
+    <a:masterClrMapping/>
+  </p:clrMapOvr>
+</p:sld>
+</file>
+
+<file path=ppt/slides/slide8.xml><?xml version="1.0" encoding="utf-8"?>
+<p:sld xmlns:a="http://schemas.openxmlformats.org/drawingml/2006/main" xmlns:r="http://schemas.openxmlformats.org/officeDocument/2006/relationships" xmlns:p="http://schemas.openxmlformats.org/presentationml/2006/main">
+  <p:cSld>
+    <p:spTree>
+      <p:nvGrpSpPr>
+        <p:cNvPr id="1" name=""/>
+        <p:cNvGrpSpPr/>
+        <p:nvPr/>
+      </p:nvGrpSpPr>
+      <p:grpSpPr>
+        <a:xfrm>
+          <a:off x="0" y="0"/>
+          <a:ext cx="0" cy="0"/>
+          <a:chOff x="0" y="0"/>
+          <a:chExt cx="0" cy="0"/>
+        </a:xfrm>
+      </p:grpSpPr>
+      <p:pic>
+        <p:nvPicPr>
+          <p:cNvPr id="3" name="图片 2">
+            <a:extLst>
+              <a:ext uri="{FF2B5EF4-FFF2-40B4-BE49-F238E27FC236}">
+                <a16:creationId xmlns:a16="http://schemas.microsoft.com/office/drawing/2014/main" id="{FA31EBA8-EBE0-9788-3AC7-CA2A79D0714C}"/>
+              </a:ext>
+            </a:extLst>
+          </p:cNvPr>
+          <p:cNvPicPr>
+            <a:picLocks noChangeAspect="1"/>
+          </p:cNvPicPr>
+          <p:nvPr/>
+        </p:nvPicPr>
+        <p:blipFill>
+          <a:blip r:embed="rId2"/>
+          <a:stretch>
+            <a:fillRect/>
+          </a:stretch>
+        </p:blipFill>
+        <p:spPr>
+          <a:xfrm>
+            <a:off x="1484490" y="613268"/>
+            <a:ext cx="5241429" cy="5316129"/>
+          </a:xfrm>
+          <a:prstGeom prst="rect">
+            <a:avLst/>
+          </a:prstGeom>
+        </p:spPr>
+      </p:pic>
+    </p:spTree>
+    <p:extLst>
+      <p:ext uri="{BB962C8B-B14F-4D97-AF65-F5344CB8AC3E}">
+        <p14:creationId xmlns:p14="http://schemas.microsoft.com/office/powerpoint/2010/main" val="3056475033"/>
+      </p:ext>
+    </p:extLst>
+  </p:cSld>
+  <p:clrMapOvr>
+    <a:masterClrMapping/>
+  </p:clrMapOvr>
+</p:sld>
+</file>
+
 <file path=ppt/theme/theme1.xml><?xml version="1.0" encoding="utf-8"?>
 <a:theme xmlns:a="http://schemas.openxmlformats.org/drawingml/2006/main" name="Office 主题​​">
   <a:themeElements>
